--- a/EscapeProblem_2.pptx
+++ b/EscapeProblem_2.pptx
@@ -1024,10 +1024,10 @@
         <a:lstStyle/>
         <a:p>
           <a:r>
-            <a:rPr lang="en-US" baseline="0"/>
+            <a:rPr lang="en-US" baseline="0" dirty="0"/>
             <a:t>Max-flow Ford-Fulkerson with DFS</a:t>
           </a:r>
-          <a:endParaRPr lang="en-US"/>
+          <a:endParaRPr lang="en-US" dirty="0"/>
         </a:p>
       </dgm:t>
     </dgm:pt>
@@ -1061,10 +1061,10 @@
         <a:lstStyle/>
         <a:p>
           <a:r>
-            <a:rPr lang="en-US" baseline="0"/>
+            <a:rPr lang="en-US" baseline="0" dirty="0"/>
             <a:t>Max-flow Edmonds-Karp</a:t>
           </a:r>
-          <a:endParaRPr lang="en-US"/>
+          <a:endParaRPr lang="en-US" dirty="0"/>
         </a:p>
       </dgm:t>
     </dgm:pt>
@@ -1098,10 +1098,10 @@
         <a:lstStyle/>
         <a:p>
           <a:r>
-            <a:rPr lang="en-US" baseline="0"/>
+            <a:rPr lang="en-US" baseline="0" dirty="0"/>
             <a:t>Capacity Scaling</a:t>
           </a:r>
-          <a:endParaRPr lang="en-US"/>
+          <a:endParaRPr lang="en-US" dirty="0"/>
         </a:p>
       </dgm:t>
     </dgm:pt>
@@ -1172,10 +1172,10 @@
         <a:lstStyle/>
         <a:p>
           <a:r>
-            <a:rPr lang="en-US" baseline="0"/>
+            <a:rPr lang="en-US" baseline="0" dirty="0"/>
             <a:t>Escape Problem</a:t>
           </a:r>
-          <a:endParaRPr lang="en-US"/>
+          <a:endParaRPr lang="en-US" dirty="0"/>
         </a:p>
       </dgm:t>
     </dgm:pt>
@@ -1209,6 +1209,13 @@
         </dgm:presLayoutVars>
       </dgm:prSet>
       <dgm:spPr/>
+      <dgm:t>
+        <a:bodyPr/>
+        <a:lstStyle/>
+        <a:p>
+          <a:endParaRPr lang="en-US"/>
+        </a:p>
+      </dgm:t>
     </dgm:pt>
     <dgm:pt modelId="{FC682741-EF4D-4BE8-B5D9-F7E8B4FF61BA}" type="pres">
       <dgm:prSet presAssocID="{45556492-4F9C-43D8-9456-4AB98694988A}" presName="arrow" presStyleLbl="bgShp" presStyleIdx="0" presStyleCnt="1"/>
@@ -1225,6 +1232,13 @@
         </dgm:presLayoutVars>
       </dgm:prSet>
       <dgm:spPr/>
+      <dgm:t>
+        <a:bodyPr/>
+        <a:lstStyle/>
+        <a:p>
+          <a:endParaRPr lang="en-US"/>
+        </a:p>
+      </dgm:t>
     </dgm:pt>
     <dgm:pt modelId="{02F05AE5-4096-4C67-B383-15F288499922}" type="pres">
       <dgm:prSet presAssocID="{FBFF0A28-8C57-49AE-97C4-727792F96E8E}" presName="sibTrans" presStyleCnt="0"/>
@@ -1237,6 +1251,13 @@
         </dgm:presLayoutVars>
       </dgm:prSet>
       <dgm:spPr/>
+      <dgm:t>
+        <a:bodyPr/>
+        <a:lstStyle/>
+        <a:p>
+          <a:endParaRPr lang="en-US"/>
+        </a:p>
+      </dgm:t>
     </dgm:pt>
     <dgm:pt modelId="{1078B624-55CD-4C98-9745-5C4924611132}" type="pres">
       <dgm:prSet presAssocID="{B1770A46-1DC0-4CF1-81EE-56C71300D875}" presName="sibTrans" presStyleCnt="0"/>
@@ -1249,6 +1270,13 @@
         </dgm:presLayoutVars>
       </dgm:prSet>
       <dgm:spPr/>
+      <dgm:t>
+        <a:bodyPr/>
+        <a:lstStyle/>
+        <a:p>
+          <a:endParaRPr lang="en-US"/>
+        </a:p>
+      </dgm:t>
     </dgm:pt>
     <dgm:pt modelId="{9BD89FA3-FF37-40D3-B36C-4225BF8ACBE1}" type="pres">
       <dgm:prSet presAssocID="{7D5A3C94-D45B-4995-BB62-8D61C8A285B2}" presName="sibTrans" presStyleCnt="0"/>
@@ -1261,6 +1289,13 @@
         </dgm:presLayoutVars>
       </dgm:prSet>
       <dgm:spPr/>
+      <dgm:t>
+        <a:bodyPr/>
+        <a:lstStyle/>
+        <a:p>
+          <a:endParaRPr lang="en-US"/>
+        </a:p>
+      </dgm:t>
     </dgm:pt>
     <dgm:pt modelId="{9FCA7B7E-9164-4585-A4D9-4EDE5F197488}" type="pres">
       <dgm:prSet presAssocID="{96D1E886-15E1-45E6-8930-6F4EA533CE43}" presName="sibTrans" presStyleCnt="0"/>
@@ -1273,20 +1308,27 @@
         </dgm:presLayoutVars>
       </dgm:prSet>
       <dgm:spPr/>
+      <dgm:t>
+        <a:bodyPr/>
+        <a:lstStyle/>
+        <a:p>
+          <a:endParaRPr lang="en-US"/>
+        </a:p>
+      </dgm:t>
     </dgm:pt>
   </dgm:ptLst>
   <dgm:cxnLst>
     <dgm:cxn modelId="{7C1D5106-B7A3-48AB-86C6-A11BD60806B0}" srcId="{45556492-4F9C-43D8-9456-4AB98694988A}" destId="{5657928A-FF84-409F-8924-105BCAFE12D4}" srcOrd="2" destOrd="0" parTransId="{FFE976A0-E3CA-4D6E-91C5-ACC72C53C37B}" sibTransId="{7D5A3C94-D45B-4995-BB62-8D61C8A285B2}"/>
+    <dgm:cxn modelId="{854E851E-263C-4EF5-91F0-7FEFE4573BAD}" srcId="{45556492-4F9C-43D8-9456-4AB98694988A}" destId="{AD6AF1CC-62B0-459B-8389-F6C44A130274}" srcOrd="0" destOrd="0" parTransId="{91BB341D-EED8-4575-AB12-A5F9E6E37C46}" sibTransId="{FBFF0A28-8C57-49AE-97C4-727792F96E8E}"/>
+    <dgm:cxn modelId="{8D1A5524-419C-401E-9EBC-23CB370CBE6F}" srcId="{45556492-4F9C-43D8-9456-4AB98694988A}" destId="{9A61C97A-594E-4011-8AD8-81182C41C602}" srcOrd="1" destOrd="0" parTransId="{4C62C4B7-7A45-4B40-8C4B-E68B3ACD6112}" sibTransId="{B1770A46-1DC0-4CF1-81EE-56C71300D875}"/>
     <dgm:cxn modelId="{5721B11A-AD0F-4CBC-AB8C-92687EA9085E}" type="presOf" srcId="{7804B251-FCC2-4130-9E48-3CC9D9D95F61}" destId="{8F77EEB4-5083-4325-B8EA-D9DCD649B675}" srcOrd="0" destOrd="0" presId="urn:microsoft.com/office/officeart/2005/8/layout/hProcess9"/>
-    <dgm:cxn modelId="{854E851E-263C-4EF5-91F0-7FEFE4573BAD}" srcId="{45556492-4F9C-43D8-9456-4AB98694988A}" destId="{AD6AF1CC-62B0-459B-8389-F6C44A130274}" srcOrd="0" destOrd="0" parTransId="{91BB341D-EED8-4575-AB12-A5F9E6E37C46}" sibTransId="{FBFF0A28-8C57-49AE-97C4-727792F96E8E}"/>
+    <dgm:cxn modelId="{542BD279-A28A-4B1D-92EA-1371885C38CD}" type="presOf" srcId="{9A61C97A-594E-4011-8AD8-81182C41C602}" destId="{AABDE1C5-DE42-4FD8-9628-8F5824B2AFB4}" srcOrd="0" destOrd="0" presId="urn:microsoft.com/office/officeart/2005/8/layout/hProcess9"/>
+    <dgm:cxn modelId="{2199EE3F-41B7-4CFB-9333-2A444210AE69}" type="presOf" srcId="{45556492-4F9C-43D8-9456-4AB98694988A}" destId="{40AC61F7-C711-4BAB-A1D7-7A4B820F1DF0}" srcOrd="0" destOrd="0" presId="urn:microsoft.com/office/officeart/2005/8/layout/hProcess9"/>
+    <dgm:cxn modelId="{6D9FA6F7-53F4-40AA-9236-DCD84336CD50}" srcId="{45556492-4F9C-43D8-9456-4AB98694988A}" destId="{419E2B85-DEAF-43A0-91ED-BFEADFAAF0ED}" srcOrd="4" destOrd="0" parTransId="{82EEE143-62C4-4B0E-8370-2D4BF1890085}" sibTransId="{E408DF9B-BB10-4337-9D09-0E03358E1366}"/>
+    <dgm:cxn modelId="{F894D1F5-B495-446B-8BBC-847AACD1B8B7}" type="presOf" srcId="{419E2B85-DEAF-43A0-91ED-BFEADFAAF0ED}" destId="{3E034DE5-09DA-4C25-A00C-B21B524FB176}" srcOrd="0" destOrd="0" presId="urn:microsoft.com/office/officeart/2005/8/layout/hProcess9"/>
+    <dgm:cxn modelId="{82673F32-9536-4D0D-B0F7-580A418F5FC1}" srcId="{45556492-4F9C-43D8-9456-4AB98694988A}" destId="{7804B251-FCC2-4130-9E48-3CC9D9D95F61}" srcOrd="3" destOrd="0" parTransId="{7C835486-11D3-4FE1-B303-93E1ECE55405}" sibTransId="{96D1E886-15E1-45E6-8930-6F4EA533CE43}"/>
     <dgm:cxn modelId="{CE1C7420-A04A-4A21-AD14-2D34DEFE1E7E}" type="presOf" srcId="{5657928A-FF84-409F-8924-105BCAFE12D4}" destId="{90125FFD-4C0D-4026-97BE-EC42A96C9CA9}" srcOrd="0" destOrd="0" presId="urn:microsoft.com/office/officeart/2005/8/layout/hProcess9"/>
-    <dgm:cxn modelId="{8D1A5524-419C-401E-9EBC-23CB370CBE6F}" srcId="{45556492-4F9C-43D8-9456-4AB98694988A}" destId="{9A61C97A-594E-4011-8AD8-81182C41C602}" srcOrd="1" destOrd="0" parTransId="{4C62C4B7-7A45-4B40-8C4B-E68B3ACD6112}" sibTransId="{B1770A46-1DC0-4CF1-81EE-56C71300D875}"/>
-    <dgm:cxn modelId="{82673F32-9536-4D0D-B0F7-580A418F5FC1}" srcId="{45556492-4F9C-43D8-9456-4AB98694988A}" destId="{7804B251-FCC2-4130-9E48-3CC9D9D95F61}" srcOrd="3" destOrd="0" parTransId="{7C835486-11D3-4FE1-B303-93E1ECE55405}" sibTransId="{96D1E886-15E1-45E6-8930-6F4EA533CE43}"/>
-    <dgm:cxn modelId="{2199EE3F-41B7-4CFB-9333-2A444210AE69}" type="presOf" srcId="{45556492-4F9C-43D8-9456-4AB98694988A}" destId="{40AC61F7-C711-4BAB-A1D7-7A4B820F1DF0}" srcOrd="0" destOrd="0" presId="urn:microsoft.com/office/officeart/2005/8/layout/hProcess9"/>
     <dgm:cxn modelId="{392B0447-9010-48CF-A4BF-3AE43976789E}" type="presOf" srcId="{AD6AF1CC-62B0-459B-8389-F6C44A130274}" destId="{0F3DDA0C-B973-4937-826F-834BE9E30CB1}" srcOrd="0" destOrd="0" presId="urn:microsoft.com/office/officeart/2005/8/layout/hProcess9"/>
-    <dgm:cxn modelId="{542BD279-A28A-4B1D-92EA-1371885C38CD}" type="presOf" srcId="{9A61C97A-594E-4011-8AD8-81182C41C602}" destId="{AABDE1C5-DE42-4FD8-9628-8F5824B2AFB4}" srcOrd="0" destOrd="0" presId="urn:microsoft.com/office/officeart/2005/8/layout/hProcess9"/>
-    <dgm:cxn modelId="{F894D1F5-B495-446B-8BBC-847AACD1B8B7}" type="presOf" srcId="{419E2B85-DEAF-43A0-91ED-BFEADFAAF0ED}" destId="{3E034DE5-09DA-4C25-A00C-B21B524FB176}" srcOrd="0" destOrd="0" presId="urn:microsoft.com/office/officeart/2005/8/layout/hProcess9"/>
-    <dgm:cxn modelId="{6D9FA6F7-53F4-40AA-9236-DCD84336CD50}" srcId="{45556492-4F9C-43D8-9456-4AB98694988A}" destId="{419E2B85-DEAF-43A0-91ED-BFEADFAAF0ED}" srcOrd="4" destOrd="0" parTransId="{82EEE143-62C4-4B0E-8370-2D4BF1890085}" sibTransId="{E408DF9B-BB10-4337-9D09-0E03358E1366}"/>
     <dgm:cxn modelId="{41386292-8D25-492B-B253-AB972B452EFA}" type="presParOf" srcId="{40AC61F7-C711-4BAB-A1D7-7A4B820F1DF0}" destId="{FC682741-EF4D-4BE8-B5D9-F7E8B4FF61BA}" srcOrd="0" destOrd="0" presId="urn:microsoft.com/office/officeart/2005/8/layout/hProcess9"/>
     <dgm:cxn modelId="{6D866BA9-827B-4AE9-A000-C738AC0C0142}" type="presParOf" srcId="{40AC61F7-C711-4BAB-A1D7-7A4B820F1DF0}" destId="{4ED8B35E-49AE-46AA-9438-52CBBFFBB008}" srcOrd="1" destOrd="0" presId="urn:microsoft.com/office/officeart/2005/8/layout/hProcess9"/>
     <dgm:cxn modelId="{18F5BD86-FC88-4389-8827-3804C0156717}" type="presParOf" srcId="{4ED8B35E-49AE-46AA-9438-52CBBFFBB008}" destId="{0F3DDA0C-B973-4937-826F-834BE9E30CB1}" srcOrd="0" destOrd="0" presId="urn:microsoft.com/office/officeart/2005/8/layout/hProcess9"/>
@@ -1436,7 +1478,7 @@
         </a:bodyPr>
         <a:lstStyle/>
         <a:p>
-          <a:pPr marL="0" lvl="0" indent="0" algn="ctr" defTabSz="933450">
+          <a:pPr lvl="0" algn="ctr" defTabSz="933450">
             <a:lnSpc>
               <a:spcPct val="90000"/>
             </a:lnSpc>
@@ -1446,13 +1488,12 @@
             <a:spcAft>
               <a:spcPct val="35000"/>
             </a:spcAft>
-            <a:buNone/>
           </a:pPr>
           <a:r>
-            <a:rPr lang="en-US" sz="2100" kern="1200" baseline="0"/>
+            <a:rPr lang="en-US" sz="2100" kern="1200" baseline="0" dirty="0"/>
             <a:t>Max-flow Ford-Fulkerson with DFS</a:t>
           </a:r>
-          <a:endParaRPr lang="en-US" sz="2100" kern="1200"/>
+          <a:endParaRPr lang="en-US" sz="2100" kern="1200" dirty="0"/>
         </a:p>
       </dsp:txBody>
       <dsp:txXfrm>
@@ -1539,7 +1580,7 @@
         </a:bodyPr>
         <a:lstStyle/>
         <a:p>
-          <a:pPr marL="0" lvl="0" indent="0" algn="ctr" defTabSz="933450">
+          <a:pPr lvl="0" algn="ctr" defTabSz="933450">
             <a:lnSpc>
               <a:spcPct val="90000"/>
             </a:lnSpc>
@@ -1549,13 +1590,12 @@
             <a:spcAft>
               <a:spcPct val="35000"/>
             </a:spcAft>
-            <a:buNone/>
           </a:pPr>
           <a:r>
-            <a:rPr lang="en-US" sz="2100" kern="1200" baseline="0"/>
+            <a:rPr lang="en-US" sz="2100" kern="1200" baseline="0" dirty="0"/>
             <a:t>Max-flow Edmonds-Karp</a:t>
           </a:r>
-          <a:endParaRPr lang="en-US" sz="2100" kern="1200"/>
+          <a:endParaRPr lang="en-US" sz="2100" kern="1200" dirty="0"/>
         </a:p>
       </dsp:txBody>
       <dsp:txXfrm>
@@ -1642,7 +1682,7 @@
         </a:bodyPr>
         <a:lstStyle/>
         <a:p>
-          <a:pPr marL="0" lvl="0" indent="0" algn="ctr" defTabSz="933450">
+          <a:pPr lvl="0" algn="ctr" defTabSz="933450">
             <a:lnSpc>
               <a:spcPct val="90000"/>
             </a:lnSpc>
@@ -1652,13 +1692,12 @@
             <a:spcAft>
               <a:spcPct val="35000"/>
             </a:spcAft>
-            <a:buNone/>
           </a:pPr>
           <a:r>
-            <a:rPr lang="en-US" sz="2100" kern="1200" baseline="0"/>
+            <a:rPr lang="en-US" sz="2100" kern="1200" baseline="0" dirty="0"/>
             <a:t>Capacity Scaling</a:t>
           </a:r>
-          <a:endParaRPr lang="en-US" sz="2100" kern="1200"/>
+          <a:endParaRPr lang="en-US" sz="2100" kern="1200" dirty="0"/>
         </a:p>
       </dsp:txBody>
       <dsp:txXfrm>
@@ -1745,7 +1784,7 @@
         </a:bodyPr>
         <a:lstStyle/>
         <a:p>
-          <a:pPr marL="0" lvl="0" indent="0" algn="ctr" defTabSz="933450">
+          <a:pPr lvl="0" algn="ctr" defTabSz="933450">
             <a:lnSpc>
               <a:spcPct val="90000"/>
             </a:lnSpc>
@@ -1755,7 +1794,6 @@
             <a:spcAft>
               <a:spcPct val="35000"/>
             </a:spcAft>
-            <a:buNone/>
           </a:pPr>
           <a:r>
             <a:rPr lang="en-US" sz="2100" kern="1200" baseline="0" dirty="0"/>
@@ -1848,7 +1886,7 @@
         </a:bodyPr>
         <a:lstStyle/>
         <a:p>
-          <a:pPr marL="0" lvl="0" indent="0" algn="ctr" defTabSz="933450">
+          <a:pPr lvl="0" algn="ctr" defTabSz="933450">
             <a:lnSpc>
               <a:spcPct val="90000"/>
             </a:lnSpc>
@@ -1858,13 +1896,12 @@
             <a:spcAft>
               <a:spcPct val="35000"/>
             </a:spcAft>
-            <a:buNone/>
           </a:pPr>
           <a:r>
-            <a:rPr lang="en-US" sz="2100" kern="1200" baseline="0"/>
+            <a:rPr lang="en-US" sz="2100" kern="1200" baseline="0" dirty="0"/>
             <a:t>Escape Problem</a:t>
           </a:r>
-          <a:endParaRPr lang="en-US" sz="2100" kern="1200"/>
+          <a:endParaRPr lang="en-US" sz="2100" kern="1200" dirty="0"/>
         </a:p>
       </dsp:txBody>
       <dsp:txXfrm>
@@ -3234,7 +3271,7 @@
             <a:fld id="{87DE6118-2437-4B30-8E3C-4D2BE6020583}" type="datetimeFigureOut">
               <a:rPr lang="en-US" dirty="0"/>
               <a:pPr/>
-              <a:t>12/2/2017</a:t>
+              <a:t>12/2/17</a:t>
             </a:fld>
             <a:endParaRPr lang="en-US" dirty="0"/>
           </a:p>
@@ -3560,7 +3597,7 @@
           <a:p>
             <a:fld id="{87DE6118-2437-4B30-8E3C-4D2BE6020583}" type="datetimeFigureOut">
               <a:rPr lang="en-US" dirty="0"/>
-              <a:t>12/2/2017</a:t>
+              <a:t>12/2/17</a:t>
             </a:fld>
             <a:endParaRPr lang="en-US" dirty="0"/>
           </a:p>
@@ -3735,7 +3772,7 @@
           <a:p>
             <a:fld id="{87DE6118-2437-4B30-8E3C-4D2BE6020583}" type="datetimeFigureOut">
               <a:rPr lang="en-US" dirty="0"/>
-              <a:t>12/2/2017</a:t>
+              <a:t>12/2/17</a:t>
             </a:fld>
             <a:endParaRPr lang="en-US" dirty="0"/>
           </a:p>
@@ -3900,7 +3937,7 @@
           <a:p>
             <a:fld id="{87DE6118-2437-4B30-8E3C-4D2BE6020583}" type="datetimeFigureOut">
               <a:rPr lang="en-US" dirty="0"/>
-              <a:t>12/2/2017</a:t>
+              <a:t>12/2/17</a:t>
             </a:fld>
             <a:endParaRPr lang="en-US" dirty="0"/>
           </a:p>
@@ -4173,7 +4210,7 @@
             <a:fld id="{87DE6118-2437-4B30-8E3C-4D2BE6020583}" type="datetimeFigureOut">
               <a:rPr lang="en-US" dirty="0"/>
               <a:pPr/>
-              <a:t>12/2/2017</a:t>
+              <a:t>12/2/17</a:t>
             </a:fld>
             <a:endParaRPr lang="en-US" dirty="0"/>
           </a:p>
@@ -4563,7 +4600,7 @@
           <a:p>
             <a:fld id="{87DE6118-2437-4B30-8E3C-4D2BE6020583}" type="datetimeFigureOut">
               <a:rPr lang="en-US" dirty="0"/>
-              <a:t>12/2/2017</a:t>
+              <a:t>12/2/17</a:t>
             </a:fld>
             <a:endParaRPr lang="en-US" dirty="0"/>
           </a:p>
@@ -5035,7 +5072,7 @@
           <a:p>
             <a:fld id="{87DE6118-2437-4B30-8E3C-4D2BE6020583}" type="datetimeFigureOut">
               <a:rPr lang="en-US" dirty="0"/>
-              <a:t>12/2/2017</a:t>
+              <a:t>12/2/17</a:t>
             </a:fld>
             <a:endParaRPr lang="en-US" dirty="0"/>
           </a:p>
@@ -5148,7 +5185,7 @@
           <a:p>
             <a:fld id="{87DE6118-2437-4B30-8E3C-4D2BE6020583}" type="datetimeFigureOut">
               <a:rPr lang="en-US" dirty="0"/>
-              <a:t>12/2/2017</a:t>
+              <a:t>12/2/17</a:t>
             </a:fld>
             <a:endParaRPr lang="en-US" dirty="0"/>
           </a:p>
@@ -5238,7 +5275,7 @@
           <a:p>
             <a:fld id="{87DE6118-2437-4B30-8E3C-4D2BE6020583}" type="datetimeFigureOut">
               <a:rPr lang="en-US" dirty="0"/>
-              <a:t>12/2/2017</a:t>
+              <a:t>12/2/17</a:t>
             </a:fld>
             <a:endParaRPr lang="en-US" dirty="0"/>
           </a:p>
@@ -5580,7 +5617,7 @@
             <a:fld id="{87DE6118-2437-4B30-8E3C-4D2BE6020583}" type="datetimeFigureOut">
               <a:rPr lang="en-US" dirty="0"/>
               <a:pPr/>
-              <a:t>12/2/2017</a:t>
+              <a:t>12/2/17</a:t>
             </a:fld>
             <a:endParaRPr lang="en-US" dirty="0"/>
           </a:p>
@@ -5965,7 +6002,7 @@
             <a:fld id="{87DE6118-2437-4B30-8E3C-4D2BE6020583}" type="datetimeFigureOut">
               <a:rPr lang="en-US" dirty="0"/>
               <a:pPr/>
-              <a:t>12/2/2017</a:t>
+              <a:t>12/2/17</a:t>
             </a:fld>
             <a:endParaRPr lang="en-US" dirty="0"/>
           </a:p>
@@ -6240,7 +6277,7 @@
             <a:fld id="{87DE6118-2437-4B30-8E3C-4D2BE6020583}" type="datetimeFigureOut">
               <a:rPr lang="en-US" dirty="0"/>
               <a:pPr/>
-              <a:t>12/2/2017</a:t>
+              <a:t>12/2/17</a:t>
             </a:fld>
             <a:endParaRPr lang="en-US" dirty="0"/>
           </a:p>
@@ -6813,6 +6850,13 @@
   <p:clrMapOvr>
     <a:masterClrMapping/>
   </p:clrMapOvr>
+  <p:timing>
+    <p:tnLst>
+      <p:par>
+        <p:cTn id="1" dur="indefinite" restart="never" nodeType="tmRoot"/>
+      </p:par>
+    </p:tnLst>
+  </p:timing>
 </p:sld>
 </file>
 
@@ -6846,7 +6890,7 @@
           <p:cNvPr id="5" name="Rectangle 7">
             <a:extLst>
               <a:ext uri="{FF2B5EF4-FFF2-40B4-BE49-F238E27FC236}">
-                <a16:creationId xmlns:a16="http://schemas.microsoft.com/office/drawing/2014/main" id="{32812C54-7AEF-4ABB-826E-221F51CB0F30}"/>
+                <a16:creationId xmlns:a16="http://schemas.microsoft.com/office/drawing/2014/main" xmlns="" id="{32812C54-7AEF-4ABB-826E-221F51CB0F30}"/>
               </a:ext>
             </a:extLst>
           </p:cNvPr>
@@ -6903,7 +6947,7 @@
           <p:cNvPr id="6" name="Rectangle 9" title="Background Shape">
             <a:extLst>
               <a:ext uri="{FF2B5EF4-FFF2-40B4-BE49-F238E27FC236}">
-                <a16:creationId xmlns:a16="http://schemas.microsoft.com/office/drawing/2014/main" id="{891F40E4-8A76-44CF-91EC-907367352626}"/>
+                <a16:creationId xmlns:a16="http://schemas.microsoft.com/office/drawing/2014/main" xmlns="" id="{891F40E4-8A76-44CF-91EC-907367352626}"/>
               </a:ext>
             </a:extLst>
           </p:cNvPr>
@@ -6955,7 +6999,7 @@
           <p:cNvPr id="7" name="Rectangle 11" title="Side bar">
             <a:extLst>
               <a:ext uri="{FF2B5EF4-FFF2-40B4-BE49-F238E27FC236}">
-                <a16:creationId xmlns:a16="http://schemas.microsoft.com/office/drawing/2014/main" id="{72171013-D973-4187-9CF2-EE098EEF8194}"/>
+                <a16:creationId xmlns:a16="http://schemas.microsoft.com/office/drawing/2014/main" xmlns="" id="{72171013-D973-4187-9CF2-EE098EEF8194}"/>
               </a:ext>
             </a:extLst>
           </p:cNvPr>
@@ -7031,8 +7075,8 @@
           </a:p>
         </p:txBody>
       </p:sp>
-      <mc:AlternateContent xmlns:mc="http://schemas.openxmlformats.org/markup-compatibility/2006">
-        <mc:Choice xmlns:a14="http://schemas.microsoft.com/office/drawing/2010/main" Requires="a14">
+      <mc:AlternateContent xmlns:mc="http://schemas.openxmlformats.org/markup-compatibility/2006" xmlns:a14="http://schemas.microsoft.com/office/drawing/2010/main">
+        <mc:Choice Requires="a14">
           <p:sp>
             <p:nvSpPr>
               <p:cNvPr id="3" name="Content Placeholder 2"/>
@@ -7088,7 +7132,7 @@
                       <m:sSupPr>
                         <m:ctrlPr>
                           <a:rPr lang="en-US" sz="2400" i="1">
-                            <a:latin typeface="Cambria Math" panose="02040503050406030204" pitchFamily="18" charset="0"/>
+                            <a:latin typeface="Cambria Math" charset="0"/>
                           </a:rPr>
                         </m:ctrlPr>
                       </m:sSupPr>
@@ -7156,7 +7200,7 @@
                       <m:sSupPr>
                         <m:ctrlPr>
                           <a:rPr lang="en-US" sz="2400" i="1">
-                            <a:latin typeface="Cambria Math" panose="02040503050406030204" pitchFamily="18" charset="0"/>
+                            <a:latin typeface="Cambria Math" charset="0"/>
                           </a:rPr>
                         </m:ctrlPr>
                       </m:sSupPr>
@@ -7211,7 +7255,7 @@
                       <m:sSupPr>
                         <m:ctrlPr>
                           <a:rPr lang="en-US" sz="2400" b="0" i="1" smtClean="0">
-                            <a:latin typeface="Cambria Math" panose="02040503050406030204" pitchFamily="18" charset="0"/>
+                            <a:latin typeface="Cambria Math" charset="0"/>
                           </a:rPr>
                         </m:ctrlPr>
                       </m:sSupPr>
@@ -7259,7 +7303,7 @@
                       <m:dPr>
                         <m:ctrlPr>
                           <a:rPr lang="en-US" sz="2400" b="0" i="1" smtClean="0">
-                            <a:latin typeface="Cambria Math" panose="02040503050406030204" pitchFamily="18" charset="0"/>
+                            <a:latin typeface="Cambria Math" charset="0"/>
                           </a:rPr>
                         </m:ctrlPr>
                       </m:dPr>
@@ -7268,7 +7312,7 @@
                           <m:sSupPr>
                             <m:ctrlPr>
                               <a:rPr lang="en-US" sz="2400" i="1">
-                                <a:latin typeface="Cambria Math" panose="02040503050406030204" pitchFamily="18" charset="0"/>
+                                <a:latin typeface="Cambria Math" charset="0"/>
                               </a:rPr>
                             </m:ctrlPr>
                           </m:sSupPr>
@@ -7293,7 +7337,7 @@
                           <m:sSupPr>
                             <m:ctrlPr>
                               <a:rPr lang="en-US" sz="2400" i="1">
-                                <a:latin typeface="Cambria Math" panose="02040503050406030204" pitchFamily="18" charset="0"/>
+                                <a:latin typeface="Cambria Math" charset="0"/>
                               </a:rPr>
                             </m:ctrlPr>
                           </m:sSupPr>
@@ -7356,7 +7400,7 @@
                       <m:sSupPr>
                         <m:ctrlPr>
                           <a:rPr lang="en-US" sz="2400" i="1">
-                            <a:latin typeface="Cambria Math" panose="02040503050406030204" pitchFamily="18" charset="0"/>
+                            <a:latin typeface="Cambria Math" charset="0"/>
                           </a:rPr>
                         </m:ctrlPr>
                       </m:sSupPr>
@@ -7429,7 +7473,7 @@
                       <m:sSupPr>
                         <m:ctrlPr>
                           <a:rPr lang="en-US" sz="2400" i="1">
-                            <a:latin typeface="Cambria Math" panose="02040503050406030204" pitchFamily="18" charset="0"/>
+                            <a:latin typeface="Cambria Math" charset="0"/>
                           </a:rPr>
                         </m:ctrlPr>
                       </m:sSupPr>
@@ -7475,7 +7519,7 @@
                       <m:sSupPr>
                         <m:ctrlPr>
                           <a:rPr lang="en-US" sz="2400" i="1">
-                            <a:latin typeface="Cambria Math" panose="02040503050406030204" pitchFamily="18" charset="0"/>
+                            <a:latin typeface="Cambria Math" charset="0"/>
                           </a:rPr>
                         </m:ctrlPr>
                       </m:sSupPr>
@@ -7520,8 +7564,8 @@
                     <m:sSup>
                       <m:sSupPr>
                         <m:ctrlPr>
-                          <a:rPr lang="en-US" sz="2400">
-                            <a:latin typeface="Cambria Math" panose="02040503050406030204" pitchFamily="18" charset="0"/>
+                          <a:rPr lang="en-US" sz="2400" i="1">
+                            <a:latin typeface="Cambria Math" charset="0"/>
                           </a:rPr>
                         </m:ctrlPr>
                       </m:sSupPr>
@@ -7559,8 +7603,8 @@
                     <m:sSup>
                       <m:sSupPr>
                         <m:ctrlPr>
-                          <a:rPr lang="en-US" sz="2400">
-                            <a:latin typeface="Cambria Math" panose="02040503050406030204" pitchFamily="18" charset="0"/>
+                          <a:rPr lang="en-US" sz="2400" i="1">
+                            <a:latin typeface="Cambria Math" charset="0"/>
                           </a:rPr>
                         </m:ctrlPr>
                       </m:sSupPr>
@@ -7598,8 +7642,8 @@
                     <m:sSup>
                       <m:sSupPr>
                         <m:ctrlPr>
-                          <a:rPr lang="en-US" sz="2400">
-                            <a:latin typeface="Cambria Math" panose="02040503050406030204" pitchFamily="18" charset="0"/>
+                          <a:rPr lang="en-US" sz="2400" i="1">
+                            <a:latin typeface="Cambria Math" charset="0"/>
                           </a:rPr>
                         </m:ctrlPr>
                       </m:sSupPr>
@@ -7665,7 +7709,7 @@
             </p:txBody>
           </p:sp>
         </mc:Choice>
-        <mc:Fallback>
+        <mc:Fallback xmlns="">
           <p:sp>
             <p:nvSpPr>
               <p:cNvPr id="3" name="Content Placeholder 2"/>
@@ -7713,6 +7757,13 @@
   <p:clrMapOvr>
     <a:masterClrMapping/>
   </p:clrMapOvr>
+  <p:timing>
+    <p:tnLst>
+      <p:par>
+        <p:cTn id="1" dur="indefinite" restart="never" nodeType="tmRoot"/>
+      </p:par>
+    </p:tnLst>
+  </p:timing>
 </p:sld>
 </file>
 
@@ -7746,7 +7797,7 @@
           <p:cNvPr id="7" name="Group 6">
             <a:extLst>
               <a:ext uri="{FF2B5EF4-FFF2-40B4-BE49-F238E27FC236}">
-                <a16:creationId xmlns:a16="http://schemas.microsoft.com/office/drawing/2014/main" id="{8C89EA62-F38E-4285-A105-C5E1BD360093}"/>
+                <a16:creationId xmlns:a16="http://schemas.microsoft.com/office/drawing/2014/main" xmlns="" id="{8C89EA62-F38E-4285-A105-C5E1BD360093}"/>
               </a:ext>
             </a:extLst>
           </p:cNvPr>
@@ -7774,7 +7825,7 @@
             <p:cNvPr id="8" name="Freeform 6">
               <a:extLst>
                 <a:ext uri="{FF2B5EF4-FFF2-40B4-BE49-F238E27FC236}">
-                  <a16:creationId xmlns:a16="http://schemas.microsoft.com/office/drawing/2014/main" id="{2CF6E46A-CCCD-4728-B011-E147B23629A3}"/>
+                  <a16:creationId xmlns:a16="http://schemas.microsoft.com/office/drawing/2014/main" xmlns="" id="{2CF6E46A-CCCD-4728-B011-E147B23629A3}"/>
                 </a:ext>
               </a:extLst>
             </p:cNvPr>
@@ -7842,7 +7893,7 @@
             <p:cNvPr id="9" name="Freeform 6">
               <a:extLst>
                 <a:ext uri="{FF2B5EF4-FFF2-40B4-BE49-F238E27FC236}">
-                  <a16:creationId xmlns:a16="http://schemas.microsoft.com/office/drawing/2014/main" id="{2E2C684B-30C9-4689-A529-EBF1B8ADB215}"/>
+                  <a16:creationId xmlns:a16="http://schemas.microsoft.com/office/drawing/2014/main" xmlns="" id="{2E2C684B-30C9-4689-A529-EBF1B8ADB215}"/>
                 </a:ext>
               </a:extLst>
             </p:cNvPr>
@@ -7913,7 +7964,7 @@
           <p:cNvPr id="11" name="Rectangle 10">
             <a:extLst>
               <a:ext uri="{FF2B5EF4-FFF2-40B4-BE49-F238E27FC236}">
-                <a16:creationId xmlns:a16="http://schemas.microsoft.com/office/drawing/2014/main" id="{EC2B4A13-0632-456F-A66A-2D0CDB9D30AE}"/>
+                <a16:creationId xmlns:a16="http://schemas.microsoft.com/office/drawing/2014/main" xmlns="" id="{EC2B4A13-0632-456F-A66A-2D0CDB9D30AE}"/>
               </a:ext>
             </a:extLst>
           </p:cNvPr>
@@ -7970,7 +8021,7 @@
           <p:cNvPr id="13" name="Freeform: Shape 12">
             <a:extLst>
               <a:ext uri="{FF2B5EF4-FFF2-40B4-BE49-F238E27FC236}">
-                <a16:creationId xmlns:a16="http://schemas.microsoft.com/office/drawing/2014/main" id="{B8BE655E-142C-41C9-895E-54D55EDDAF85}"/>
+                <a16:creationId xmlns:a16="http://schemas.microsoft.com/office/drawing/2014/main" xmlns="" id="{B8BE655E-142C-41C9-895E-54D55EDDAF85}"/>
               </a:ext>
             </a:extLst>
           </p:cNvPr>
@@ -8069,7 +8120,7 @@
           <p:cNvPr id="15" name="Rectangle 14" title="Background Shape">
             <a:extLst>
               <a:ext uri="{FF2B5EF4-FFF2-40B4-BE49-F238E27FC236}">
-                <a16:creationId xmlns:a16="http://schemas.microsoft.com/office/drawing/2014/main" id="{198CC593-9FF4-46EF-81AE-2D26922F154C}"/>
+                <a16:creationId xmlns:a16="http://schemas.microsoft.com/office/drawing/2014/main" xmlns="" id="{198CC593-9FF4-46EF-81AE-2D26922F154C}"/>
               </a:ext>
             </a:extLst>
           </p:cNvPr>
@@ -8132,7 +8183,7 @@
           <p:cNvPr id="17" name="Freeform: Shape 16">
             <a:extLst>
               <a:ext uri="{FF2B5EF4-FFF2-40B4-BE49-F238E27FC236}">
-                <a16:creationId xmlns:a16="http://schemas.microsoft.com/office/drawing/2014/main" id="{1568A552-34C4-41D2-A36B-9E86EC569E10}"/>
+                <a16:creationId xmlns:a16="http://schemas.microsoft.com/office/drawing/2014/main" xmlns="" id="{1568A552-34C4-41D2-A36B-9E86EC569E10}"/>
               </a:ext>
             </a:extLst>
           </p:cNvPr>
@@ -8290,6 +8341,13 @@
   <p:clrMapOvr>
     <a:masterClrMapping/>
   </p:clrMapOvr>
+  <p:timing>
+    <p:tnLst>
+      <p:par>
+        <p:cTn id="1" dur="indefinite" restart="never" nodeType="tmRoot"/>
+      </p:par>
+    </p:tnLst>
+  </p:timing>
 </p:sld>
 </file>
 
@@ -8323,7 +8381,7 @@
           <p:cNvPr id="8" name="Group 7">
             <a:extLst>
               <a:ext uri="{FF2B5EF4-FFF2-40B4-BE49-F238E27FC236}">
-                <a16:creationId xmlns:a16="http://schemas.microsoft.com/office/drawing/2014/main" id="{8C89EA62-F38E-4285-A105-C5E1BD360093}"/>
+                <a16:creationId xmlns:a16="http://schemas.microsoft.com/office/drawing/2014/main" xmlns="" id="{8C89EA62-F38E-4285-A105-C5E1BD360093}"/>
               </a:ext>
             </a:extLst>
           </p:cNvPr>
@@ -8351,7 +8409,7 @@
             <p:cNvPr id="9" name="Freeform 6">
               <a:extLst>
                 <a:ext uri="{FF2B5EF4-FFF2-40B4-BE49-F238E27FC236}">
-                  <a16:creationId xmlns:a16="http://schemas.microsoft.com/office/drawing/2014/main" id="{2CF6E46A-CCCD-4728-B011-E147B23629A3}"/>
+                  <a16:creationId xmlns:a16="http://schemas.microsoft.com/office/drawing/2014/main" xmlns="" id="{2CF6E46A-CCCD-4728-B011-E147B23629A3}"/>
                 </a:ext>
               </a:extLst>
             </p:cNvPr>
@@ -8419,7 +8477,7 @@
             <p:cNvPr id="10" name="Freeform 6">
               <a:extLst>
                 <a:ext uri="{FF2B5EF4-FFF2-40B4-BE49-F238E27FC236}">
-                  <a16:creationId xmlns:a16="http://schemas.microsoft.com/office/drawing/2014/main" id="{2E2C684B-30C9-4689-A529-EBF1B8ADB215}"/>
+                  <a16:creationId xmlns:a16="http://schemas.microsoft.com/office/drawing/2014/main" xmlns="" id="{2E2C684B-30C9-4689-A529-EBF1B8ADB215}"/>
                 </a:ext>
               </a:extLst>
             </p:cNvPr>
@@ -8490,7 +8548,7 @@
           <p:cNvPr id="12" name="Rectangle 11">
             <a:extLst>
               <a:ext uri="{FF2B5EF4-FFF2-40B4-BE49-F238E27FC236}">
-                <a16:creationId xmlns:a16="http://schemas.microsoft.com/office/drawing/2014/main" id="{EC2B4A13-0632-456F-A66A-2D0CDB9D30AE}"/>
+                <a16:creationId xmlns:a16="http://schemas.microsoft.com/office/drawing/2014/main" xmlns="" id="{EC2B4A13-0632-456F-A66A-2D0CDB9D30AE}"/>
               </a:ext>
             </a:extLst>
           </p:cNvPr>
@@ -8547,7 +8605,7 @@
           <p:cNvPr id="14" name="Freeform: Shape 13">
             <a:extLst>
               <a:ext uri="{FF2B5EF4-FFF2-40B4-BE49-F238E27FC236}">
-                <a16:creationId xmlns:a16="http://schemas.microsoft.com/office/drawing/2014/main" id="{B8BE655E-142C-41C9-895E-54D55EDDAF85}"/>
+                <a16:creationId xmlns:a16="http://schemas.microsoft.com/office/drawing/2014/main" xmlns="" id="{B8BE655E-142C-41C9-895E-54D55EDDAF85}"/>
               </a:ext>
             </a:extLst>
           </p:cNvPr>
@@ -8646,7 +8704,7 @@
           <p:cNvPr id="16" name="Rectangle 15" title="Background Shape">
             <a:extLst>
               <a:ext uri="{FF2B5EF4-FFF2-40B4-BE49-F238E27FC236}">
-                <a16:creationId xmlns:a16="http://schemas.microsoft.com/office/drawing/2014/main" id="{198CC593-9FF4-46EF-81AE-2D26922F154C}"/>
+                <a16:creationId xmlns:a16="http://schemas.microsoft.com/office/drawing/2014/main" xmlns="" id="{198CC593-9FF4-46EF-81AE-2D26922F154C}"/>
               </a:ext>
             </a:extLst>
           </p:cNvPr>
@@ -8709,7 +8767,7 @@
           <p:cNvPr id="18" name="Freeform: Shape 17">
             <a:extLst>
               <a:ext uri="{FF2B5EF4-FFF2-40B4-BE49-F238E27FC236}">
-                <a16:creationId xmlns:a16="http://schemas.microsoft.com/office/drawing/2014/main" id="{1568A552-34C4-41D2-A36B-9E86EC569E10}"/>
+                <a16:creationId xmlns:a16="http://schemas.microsoft.com/office/drawing/2014/main" xmlns="" id="{1568A552-34C4-41D2-A36B-9E86EC569E10}"/>
               </a:ext>
             </a:extLst>
           </p:cNvPr>
@@ -8817,7 +8875,7 @@
           <p:cNvPr id="2" name="Title 1">
             <a:extLst>
               <a:ext uri="{FF2B5EF4-FFF2-40B4-BE49-F238E27FC236}">
-                <a16:creationId xmlns:a16="http://schemas.microsoft.com/office/drawing/2014/main" id="{4076AB47-8546-4399-A549-19A66B3D3794}"/>
+                <a16:creationId xmlns:a16="http://schemas.microsoft.com/office/drawing/2014/main" xmlns="" id="{4076AB47-8546-4399-A549-19A66B3D3794}"/>
               </a:ext>
             </a:extLst>
           </p:cNvPr>
@@ -8898,7 +8956,7 @@
           <p:cNvPr id="8" name="Rectangle 7">
             <a:extLst>
               <a:ext uri="{FF2B5EF4-FFF2-40B4-BE49-F238E27FC236}">
-                <a16:creationId xmlns:a16="http://schemas.microsoft.com/office/drawing/2014/main" id="{32812C54-7AEF-4ABB-826E-221F51CB0F30}"/>
+                <a16:creationId xmlns:a16="http://schemas.microsoft.com/office/drawing/2014/main" xmlns="" id="{32812C54-7AEF-4ABB-826E-221F51CB0F30}"/>
               </a:ext>
             </a:extLst>
           </p:cNvPr>
@@ -8955,7 +9013,7 @@
           <p:cNvPr id="10" name="Rectangle 9" title="Background Shape">
             <a:extLst>
               <a:ext uri="{FF2B5EF4-FFF2-40B4-BE49-F238E27FC236}">
-                <a16:creationId xmlns:a16="http://schemas.microsoft.com/office/drawing/2014/main" id="{891F40E4-8A76-44CF-91EC-907367352626}"/>
+                <a16:creationId xmlns:a16="http://schemas.microsoft.com/office/drawing/2014/main" xmlns="" id="{891F40E4-8A76-44CF-91EC-907367352626}"/>
               </a:ext>
             </a:extLst>
           </p:cNvPr>
@@ -9007,7 +9065,7 @@
           <p:cNvPr id="12" name="Rectangle 11" title="Side bar">
             <a:extLst>
               <a:ext uri="{FF2B5EF4-FFF2-40B4-BE49-F238E27FC236}">
-                <a16:creationId xmlns:a16="http://schemas.microsoft.com/office/drawing/2014/main" id="{72171013-D973-4187-9CF2-EE098EEF8194}"/>
+                <a16:creationId xmlns:a16="http://schemas.microsoft.com/office/drawing/2014/main" xmlns="" id="{72171013-D973-4187-9CF2-EE098EEF8194}"/>
               </a:ext>
             </a:extLst>
           </p:cNvPr>
@@ -9145,6 +9203,13 @@
   <p:clrMapOvr>
     <a:masterClrMapping/>
   </p:clrMapOvr>
+  <p:timing>
+    <p:tnLst>
+      <p:par>
+        <p:cTn id="1" dur="indefinite" restart="never" nodeType="tmRoot"/>
+      </p:par>
+    </p:tnLst>
+  </p:timing>
 </p:sld>
 </file>
 
@@ -9286,6 +9351,13 @@
   <p:clrMapOvr>
     <a:masterClrMapping/>
   </p:clrMapOvr>
+  <p:timing>
+    <p:tnLst>
+      <p:par>
+        <p:cTn id="1" dur="indefinite" restart="never" nodeType="tmRoot"/>
+      </p:par>
+    </p:tnLst>
+  </p:timing>
 </p:sld>
 </file>
 
@@ -9319,7 +9391,7 @@
           <p:cNvPr id="2" name="Title 1">
             <a:extLst>
               <a:ext uri="{FF2B5EF4-FFF2-40B4-BE49-F238E27FC236}">
-                <a16:creationId xmlns:a16="http://schemas.microsoft.com/office/drawing/2014/main" id="{65ED96E4-1FC0-4BE3-9D18-81F2CCEAB932}"/>
+                <a16:creationId xmlns:a16="http://schemas.microsoft.com/office/drawing/2014/main" xmlns="" id="{65ED96E4-1FC0-4BE3-9D18-81F2CCEAB932}"/>
               </a:ext>
             </a:extLst>
           </p:cNvPr>
@@ -9344,8 +9416,13 @@
           <a:p>
             <a:r>
               <a:rPr lang="en-US" dirty="0"/>
-              <a:t>Inception and Timeline // Check</a:t>
+              <a:t>Inception and </a:t>
             </a:r>
+            <a:r>
+              <a:rPr lang="en-US" dirty="0" smtClean="0"/>
+              <a:t>Timeline</a:t>
+            </a:r>
+            <a:endParaRPr lang="en-US" dirty="0"/>
           </a:p>
         </p:txBody>
       </p:sp>
@@ -9384,6 +9461,13 @@
   <p:clrMapOvr>
     <a:masterClrMapping/>
   </p:clrMapOvr>
+  <p:timing>
+    <p:tnLst>
+      <p:par>
+        <p:cTn id="1" dur="indefinite" restart="never" nodeType="tmRoot"/>
+      </p:par>
+    </p:tnLst>
+  </p:timing>
 </p:sld>
 </file>
 
@@ -9409,7 +9493,7 @@
           <p:cNvPr id="2" name="Title 1">
             <a:extLst>
               <a:ext uri="{FF2B5EF4-FFF2-40B4-BE49-F238E27FC236}">
-                <a16:creationId xmlns:a16="http://schemas.microsoft.com/office/drawing/2014/main" id="{620EC40B-E279-43E3-B010-6AD8E2D42246}"/>
+                <a16:creationId xmlns:a16="http://schemas.microsoft.com/office/drawing/2014/main" xmlns="" id="{620EC40B-E279-43E3-B010-6AD8E2D42246}"/>
               </a:ext>
             </a:extLst>
           </p:cNvPr>
@@ -9434,7 +9518,18 @@
           <a:p>
             <a:r>
               <a:rPr lang="en-US" sz="3200" dirty="0"/>
-              <a:t>Vertex Disjoint Paths</a:t>
+              <a:t>Vertex Disjoint </a:t>
+            </a:r>
+            <a:r>
+              <a:rPr lang="en-US" sz="3200" dirty="0" smtClean="0"/>
+              <a:t>Paths</a:t>
+            </a:r>
+            <a:br>
+              <a:rPr lang="en-US" sz="3200" dirty="0" smtClean="0"/>
+            </a:br>
+            <a:r>
+              <a:rPr lang="en-US" sz="3200" dirty="0"/>
+              <a:t/>
             </a:r>
             <a:br>
               <a:rPr lang="en-US" sz="3200" dirty="0"/>
@@ -9459,7 +9554,7 @@
           <p:cNvPr id="10" name="Oval 9">
             <a:extLst>
               <a:ext uri="{FF2B5EF4-FFF2-40B4-BE49-F238E27FC236}">
-                <a16:creationId xmlns:a16="http://schemas.microsoft.com/office/drawing/2014/main" id="{49F5E449-F775-400B-9324-3940BBBB22A6}"/>
+                <a16:creationId xmlns:a16="http://schemas.microsoft.com/office/drawing/2014/main" xmlns="" id="{49F5E449-F775-400B-9324-3940BBBB22A6}"/>
               </a:ext>
             </a:extLst>
           </p:cNvPr>
@@ -9508,7 +9603,7 @@
           <p:cNvPr id="11" name="Oval 10">
             <a:extLst>
               <a:ext uri="{FF2B5EF4-FFF2-40B4-BE49-F238E27FC236}">
-                <a16:creationId xmlns:a16="http://schemas.microsoft.com/office/drawing/2014/main" id="{2F20B1E2-934C-4717-B6D8-DD50E12D5EE6}"/>
+                <a16:creationId xmlns:a16="http://schemas.microsoft.com/office/drawing/2014/main" xmlns="" id="{2F20B1E2-934C-4717-B6D8-DD50E12D5EE6}"/>
               </a:ext>
             </a:extLst>
           </p:cNvPr>
@@ -9554,7 +9649,7 @@
           <p:cNvPr id="12" name="Oval 11">
             <a:extLst>
               <a:ext uri="{FF2B5EF4-FFF2-40B4-BE49-F238E27FC236}">
-                <a16:creationId xmlns:a16="http://schemas.microsoft.com/office/drawing/2014/main" id="{B8E67B73-29C3-47E2-8D6B-16A1F89FA5C8}"/>
+                <a16:creationId xmlns:a16="http://schemas.microsoft.com/office/drawing/2014/main" xmlns="" id="{B8E67B73-29C3-47E2-8D6B-16A1F89FA5C8}"/>
               </a:ext>
             </a:extLst>
           </p:cNvPr>
@@ -9600,7 +9695,7 @@
           <p:cNvPr id="13" name="Oval 12">
             <a:extLst>
               <a:ext uri="{FF2B5EF4-FFF2-40B4-BE49-F238E27FC236}">
-                <a16:creationId xmlns:a16="http://schemas.microsoft.com/office/drawing/2014/main" id="{CCFB23EF-2B84-4251-851F-DFB23989FC0F}"/>
+                <a16:creationId xmlns:a16="http://schemas.microsoft.com/office/drawing/2014/main" xmlns="" id="{CCFB23EF-2B84-4251-851F-DFB23989FC0F}"/>
               </a:ext>
             </a:extLst>
           </p:cNvPr>
@@ -9646,7 +9741,7 @@
           <p:cNvPr id="14" name="Oval 13">
             <a:extLst>
               <a:ext uri="{FF2B5EF4-FFF2-40B4-BE49-F238E27FC236}">
-                <a16:creationId xmlns:a16="http://schemas.microsoft.com/office/drawing/2014/main" id="{598F4926-95F7-4A00-9190-1D27211EB861}"/>
+                <a16:creationId xmlns:a16="http://schemas.microsoft.com/office/drawing/2014/main" xmlns="" id="{598F4926-95F7-4A00-9190-1D27211EB861}"/>
               </a:ext>
             </a:extLst>
           </p:cNvPr>
@@ -9692,7 +9787,7 @@
           <p:cNvPr id="15" name="Oval 14">
             <a:extLst>
               <a:ext uri="{FF2B5EF4-FFF2-40B4-BE49-F238E27FC236}">
-                <a16:creationId xmlns:a16="http://schemas.microsoft.com/office/drawing/2014/main" id="{B06E2A25-F0A2-407B-B1A3-31A4266B1DBF}"/>
+                <a16:creationId xmlns:a16="http://schemas.microsoft.com/office/drawing/2014/main" xmlns="" id="{B06E2A25-F0A2-407B-B1A3-31A4266B1DBF}"/>
               </a:ext>
             </a:extLst>
           </p:cNvPr>
@@ -9741,19 +9836,16 @@
           <p:cNvPr id="17" name="Straight Arrow Connector 16">
             <a:extLst>
               <a:ext uri="{FF2B5EF4-FFF2-40B4-BE49-F238E27FC236}">
-                <a16:creationId xmlns:a16="http://schemas.microsoft.com/office/drawing/2014/main" id="{4ACE0AA6-B1D6-4CCF-8762-65C2F219AB4E}"/>
+                <a16:creationId xmlns:a16="http://schemas.microsoft.com/office/drawing/2014/main" xmlns="" id="{4ACE0AA6-B1D6-4CCF-8762-65C2F219AB4E}"/>
               </a:ext>
             </a:extLst>
           </p:cNvPr>
-          <p:cNvCxnSpPr>
-            <a:stCxn id="10" idx="7"/>
-            <a:endCxn id="13" idx="2"/>
-          </p:cNvCxnSpPr>
+          <p:cNvCxnSpPr/>
           <p:nvPr/>
         </p:nvCxnSpPr>
         <p:spPr>
           <a:xfrm flipV="1">
-            <a:off x="2485584" y="2298519"/>
+            <a:off x="2485584" y="2319539"/>
             <a:ext cx="2286713" cy="1488510"/>
           </a:xfrm>
           <a:prstGeom prst="straightConnector1">
@@ -9783,7 +9875,7 @@
           <p:cNvPr id="21" name="Straight Arrow Connector 20">
             <a:extLst>
               <a:ext uri="{FF2B5EF4-FFF2-40B4-BE49-F238E27FC236}">
-                <a16:creationId xmlns:a16="http://schemas.microsoft.com/office/drawing/2014/main" id="{CFF82904-0578-44C2-8FDB-EF84772A7585}"/>
+                <a16:creationId xmlns:a16="http://schemas.microsoft.com/office/drawing/2014/main" xmlns="" id="{CFF82904-0578-44C2-8FDB-EF84772A7585}"/>
               </a:ext>
             </a:extLst>
           </p:cNvPr>
@@ -9825,7 +9917,7 @@
           <p:cNvPr id="23" name="Straight Arrow Connector 22">
             <a:extLst>
               <a:ext uri="{FF2B5EF4-FFF2-40B4-BE49-F238E27FC236}">
-                <a16:creationId xmlns:a16="http://schemas.microsoft.com/office/drawing/2014/main" id="{A10FAD8D-EDC8-4DEE-A0E7-39ECF5496C0B}"/>
+                <a16:creationId xmlns:a16="http://schemas.microsoft.com/office/drawing/2014/main" xmlns="" id="{A10FAD8D-EDC8-4DEE-A0E7-39ECF5496C0B}"/>
               </a:ext>
             </a:extLst>
           </p:cNvPr>
@@ -9867,7 +9959,7 @@
           <p:cNvPr id="25" name="Straight Arrow Connector 24">
             <a:extLst>
               <a:ext uri="{FF2B5EF4-FFF2-40B4-BE49-F238E27FC236}">
-                <a16:creationId xmlns:a16="http://schemas.microsoft.com/office/drawing/2014/main" id="{AFF71905-4616-4689-A80B-8655F1857FBE}"/>
+                <a16:creationId xmlns:a16="http://schemas.microsoft.com/office/drawing/2014/main" xmlns="" id="{AFF71905-4616-4689-A80B-8655F1857FBE}"/>
               </a:ext>
             </a:extLst>
           </p:cNvPr>
@@ -9909,7 +10001,7 @@
           <p:cNvPr id="27" name="Straight Arrow Connector 26">
             <a:extLst>
               <a:ext uri="{FF2B5EF4-FFF2-40B4-BE49-F238E27FC236}">
-                <a16:creationId xmlns:a16="http://schemas.microsoft.com/office/drawing/2014/main" id="{C55F6C94-3932-4A8A-AF5B-470EAE30CF31}"/>
+                <a16:creationId xmlns:a16="http://schemas.microsoft.com/office/drawing/2014/main" xmlns="" id="{C55F6C94-3932-4A8A-AF5B-470EAE30CF31}"/>
               </a:ext>
             </a:extLst>
           </p:cNvPr>
@@ -9951,7 +10043,7 @@
           <p:cNvPr id="29" name="Straight Arrow Connector 28">
             <a:extLst>
               <a:ext uri="{FF2B5EF4-FFF2-40B4-BE49-F238E27FC236}">
-                <a16:creationId xmlns:a16="http://schemas.microsoft.com/office/drawing/2014/main" id="{6849C73D-194B-4615-93FD-D7F6C7CC5F77}"/>
+                <a16:creationId xmlns:a16="http://schemas.microsoft.com/office/drawing/2014/main" xmlns="" id="{6849C73D-194B-4615-93FD-D7F6C7CC5F77}"/>
               </a:ext>
             </a:extLst>
           </p:cNvPr>
@@ -9992,7 +10084,7 @@
           <p:cNvPr id="31" name="Straight Arrow Connector 30">
             <a:extLst>
               <a:ext uri="{FF2B5EF4-FFF2-40B4-BE49-F238E27FC236}">
-                <a16:creationId xmlns:a16="http://schemas.microsoft.com/office/drawing/2014/main" id="{A676A2C9-1AF2-4794-B519-35C1FF3A6A20}"/>
+                <a16:creationId xmlns:a16="http://schemas.microsoft.com/office/drawing/2014/main" xmlns="" id="{A676A2C9-1AF2-4794-B519-35C1FF3A6A20}"/>
               </a:ext>
             </a:extLst>
           </p:cNvPr>
@@ -10034,7 +10126,7 @@
           <p:cNvPr id="33" name="Straight Arrow Connector 32">
             <a:extLst>
               <a:ext uri="{FF2B5EF4-FFF2-40B4-BE49-F238E27FC236}">
-                <a16:creationId xmlns:a16="http://schemas.microsoft.com/office/drawing/2014/main" id="{53317029-1C27-415F-9ED4-13ED1C87C44C}"/>
+                <a16:creationId xmlns:a16="http://schemas.microsoft.com/office/drawing/2014/main" xmlns="" id="{53317029-1C27-415F-9ED4-13ED1C87C44C}"/>
               </a:ext>
             </a:extLst>
           </p:cNvPr>
@@ -10076,7 +10168,7 @@
           <p:cNvPr id="35" name="Straight Arrow Connector 34">
             <a:extLst>
               <a:ext uri="{FF2B5EF4-FFF2-40B4-BE49-F238E27FC236}">
-                <a16:creationId xmlns:a16="http://schemas.microsoft.com/office/drawing/2014/main" id="{7CB9B236-6488-4457-9823-308F8E981817}"/>
+                <a16:creationId xmlns:a16="http://schemas.microsoft.com/office/drawing/2014/main" xmlns="" id="{7CB9B236-6488-4457-9823-308F8E981817}"/>
               </a:ext>
             </a:extLst>
           </p:cNvPr>
@@ -10123,6 +10215,13 @@
   <p:clrMapOvr>
     <a:masterClrMapping/>
   </p:clrMapOvr>
+  <p:timing>
+    <p:tnLst>
+      <p:par>
+        <p:cTn id="1" dur="indefinite" restart="never" nodeType="tmRoot"/>
+      </p:par>
+    </p:tnLst>
+  </p:timing>
 </p:sld>
 </file>
 
@@ -10148,7 +10247,7 @@
           <p:cNvPr id="10" name="Oval 9">
             <a:extLst>
               <a:ext uri="{FF2B5EF4-FFF2-40B4-BE49-F238E27FC236}">
-                <a16:creationId xmlns:a16="http://schemas.microsoft.com/office/drawing/2014/main" id="{49F5E449-F775-400B-9324-3940BBBB22A6}"/>
+                <a16:creationId xmlns:a16="http://schemas.microsoft.com/office/drawing/2014/main" xmlns="" id="{49F5E449-F775-400B-9324-3940BBBB22A6}"/>
               </a:ext>
             </a:extLst>
           </p:cNvPr>
@@ -10197,7 +10296,7 @@
           <p:cNvPr id="11" name="Oval 10">
             <a:extLst>
               <a:ext uri="{FF2B5EF4-FFF2-40B4-BE49-F238E27FC236}">
-                <a16:creationId xmlns:a16="http://schemas.microsoft.com/office/drawing/2014/main" id="{2F20B1E2-934C-4717-B6D8-DD50E12D5EE6}"/>
+                <a16:creationId xmlns:a16="http://schemas.microsoft.com/office/drawing/2014/main" xmlns="" id="{2F20B1E2-934C-4717-B6D8-DD50E12D5EE6}"/>
               </a:ext>
             </a:extLst>
           </p:cNvPr>
@@ -10243,7 +10342,7 @@
           <p:cNvPr id="12" name="Oval 11">
             <a:extLst>
               <a:ext uri="{FF2B5EF4-FFF2-40B4-BE49-F238E27FC236}">
-                <a16:creationId xmlns:a16="http://schemas.microsoft.com/office/drawing/2014/main" id="{B8E67B73-29C3-47E2-8D6B-16A1F89FA5C8}"/>
+                <a16:creationId xmlns:a16="http://schemas.microsoft.com/office/drawing/2014/main" xmlns="" id="{B8E67B73-29C3-47E2-8D6B-16A1F89FA5C8}"/>
               </a:ext>
             </a:extLst>
           </p:cNvPr>
@@ -10289,7 +10388,7 @@
           <p:cNvPr id="13" name="Oval 12">
             <a:extLst>
               <a:ext uri="{FF2B5EF4-FFF2-40B4-BE49-F238E27FC236}">
-                <a16:creationId xmlns:a16="http://schemas.microsoft.com/office/drawing/2014/main" id="{CCFB23EF-2B84-4251-851F-DFB23989FC0F}"/>
+                <a16:creationId xmlns:a16="http://schemas.microsoft.com/office/drawing/2014/main" xmlns="" id="{CCFB23EF-2B84-4251-851F-DFB23989FC0F}"/>
               </a:ext>
             </a:extLst>
           </p:cNvPr>
@@ -10335,7 +10434,7 @@
           <p:cNvPr id="14" name="Oval 13">
             <a:extLst>
               <a:ext uri="{FF2B5EF4-FFF2-40B4-BE49-F238E27FC236}">
-                <a16:creationId xmlns:a16="http://schemas.microsoft.com/office/drawing/2014/main" id="{598F4926-95F7-4A00-9190-1D27211EB861}"/>
+                <a16:creationId xmlns:a16="http://schemas.microsoft.com/office/drawing/2014/main" xmlns="" id="{598F4926-95F7-4A00-9190-1D27211EB861}"/>
               </a:ext>
             </a:extLst>
           </p:cNvPr>
@@ -10381,7 +10480,7 @@
           <p:cNvPr id="15" name="Oval 14">
             <a:extLst>
               <a:ext uri="{FF2B5EF4-FFF2-40B4-BE49-F238E27FC236}">
-                <a16:creationId xmlns:a16="http://schemas.microsoft.com/office/drawing/2014/main" id="{B06E2A25-F0A2-407B-B1A3-31A4266B1DBF}"/>
+                <a16:creationId xmlns:a16="http://schemas.microsoft.com/office/drawing/2014/main" xmlns="" id="{B06E2A25-F0A2-407B-B1A3-31A4266B1DBF}"/>
               </a:ext>
             </a:extLst>
           </p:cNvPr>
@@ -10430,7 +10529,7 @@
           <p:cNvPr id="17" name="Straight Arrow Connector 16">
             <a:extLst>
               <a:ext uri="{FF2B5EF4-FFF2-40B4-BE49-F238E27FC236}">
-                <a16:creationId xmlns:a16="http://schemas.microsoft.com/office/drawing/2014/main" id="{4ACE0AA6-B1D6-4CCF-8762-65C2F219AB4E}"/>
+                <a16:creationId xmlns:a16="http://schemas.microsoft.com/office/drawing/2014/main" xmlns="" id="{4ACE0AA6-B1D6-4CCF-8762-65C2F219AB4E}"/>
               </a:ext>
             </a:extLst>
           </p:cNvPr>
@@ -10472,7 +10571,7 @@
           <p:cNvPr id="21" name="Straight Arrow Connector 20">
             <a:extLst>
               <a:ext uri="{FF2B5EF4-FFF2-40B4-BE49-F238E27FC236}">
-                <a16:creationId xmlns:a16="http://schemas.microsoft.com/office/drawing/2014/main" id="{CFF82904-0578-44C2-8FDB-EF84772A7585}"/>
+                <a16:creationId xmlns:a16="http://schemas.microsoft.com/office/drawing/2014/main" xmlns="" id="{CFF82904-0578-44C2-8FDB-EF84772A7585}"/>
               </a:ext>
             </a:extLst>
           </p:cNvPr>
@@ -10514,7 +10613,7 @@
           <p:cNvPr id="23" name="Straight Arrow Connector 22">
             <a:extLst>
               <a:ext uri="{FF2B5EF4-FFF2-40B4-BE49-F238E27FC236}">
-                <a16:creationId xmlns:a16="http://schemas.microsoft.com/office/drawing/2014/main" id="{A10FAD8D-EDC8-4DEE-A0E7-39ECF5496C0B}"/>
+                <a16:creationId xmlns:a16="http://schemas.microsoft.com/office/drawing/2014/main" xmlns="" id="{A10FAD8D-EDC8-4DEE-A0E7-39ECF5496C0B}"/>
               </a:ext>
             </a:extLst>
           </p:cNvPr>
@@ -10556,7 +10655,7 @@
           <p:cNvPr id="25" name="Straight Arrow Connector 24">
             <a:extLst>
               <a:ext uri="{FF2B5EF4-FFF2-40B4-BE49-F238E27FC236}">
-                <a16:creationId xmlns:a16="http://schemas.microsoft.com/office/drawing/2014/main" id="{AFF71905-4616-4689-A80B-8655F1857FBE}"/>
+                <a16:creationId xmlns:a16="http://schemas.microsoft.com/office/drawing/2014/main" xmlns="" id="{AFF71905-4616-4689-A80B-8655F1857FBE}"/>
               </a:ext>
             </a:extLst>
           </p:cNvPr>
@@ -10598,7 +10697,7 @@
           <p:cNvPr id="27" name="Straight Arrow Connector 26">
             <a:extLst>
               <a:ext uri="{FF2B5EF4-FFF2-40B4-BE49-F238E27FC236}">
-                <a16:creationId xmlns:a16="http://schemas.microsoft.com/office/drawing/2014/main" id="{C55F6C94-3932-4A8A-AF5B-470EAE30CF31}"/>
+                <a16:creationId xmlns:a16="http://schemas.microsoft.com/office/drawing/2014/main" xmlns="" id="{C55F6C94-3932-4A8A-AF5B-470EAE30CF31}"/>
               </a:ext>
             </a:extLst>
           </p:cNvPr>
@@ -10640,7 +10739,7 @@
           <p:cNvPr id="29" name="Straight Arrow Connector 28">
             <a:extLst>
               <a:ext uri="{FF2B5EF4-FFF2-40B4-BE49-F238E27FC236}">
-                <a16:creationId xmlns:a16="http://schemas.microsoft.com/office/drawing/2014/main" id="{6849C73D-194B-4615-93FD-D7F6C7CC5F77}"/>
+                <a16:creationId xmlns:a16="http://schemas.microsoft.com/office/drawing/2014/main" xmlns="" id="{6849C73D-194B-4615-93FD-D7F6C7CC5F77}"/>
               </a:ext>
             </a:extLst>
           </p:cNvPr>
@@ -10683,7 +10782,7 @@
           <p:cNvPr id="31" name="Straight Arrow Connector 30">
             <a:extLst>
               <a:ext uri="{FF2B5EF4-FFF2-40B4-BE49-F238E27FC236}">
-                <a16:creationId xmlns:a16="http://schemas.microsoft.com/office/drawing/2014/main" id="{A676A2C9-1AF2-4794-B519-35C1FF3A6A20}"/>
+                <a16:creationId xmlns:a16="http://schemas.microsoft.com/office/drawing/2014/main" xmlns="" id="{A676A2C9-1AF2-4794-B519-35C1FF3A6A20}"/>
               </a:ext>
             </a:extLst>
           </p:cNvPr>
@@ -10725,7 +10824,7 @@
           <p:cNvPr id="33" name="Straight Arrow Connector 32">
             <a:extLst>
               <a:ext uri="{FF2B5EF4-FFF2-40B4-BE49-F238E27FC236}">
-                <a16:creationId xmlns:a16="http://schemas.microsoft.com/office/drawing/2014/main" id="{53317029-1C27-415F-9ED4-13ED1C87C44C}"/>
+                <a16:creationId xmlns:a16="http://schemas.microsoft.com/office/drawing/2014/main" xmlns="" id="{53317029-1C27-415F-9ED4-13ED1C87C44C}"/>
               </a:ext>
             </a:extLst>
           </p:cNvPr>
@@ -10767,7 +10866,7 @@
           <p:cNvPr id="35" name="Straight Arrow Connector 34">
             <a:extLst>
               <a:ext uri="{FF2B5EF4-FFF2-40B4-BE49-F238E27FC236}">
-                <a16:creationId xmlns:a16="http://schemas.microsoft.com/office/drawing/2014/main" id="{7CB9B236-6488-4457-9823-308F8E981817}"/>
+                <a16:creationId xmlns:a16="http://schemas.microsoft.com/office/drawing/2014/main" xmlns="" id="{7CB9B236-6488-4457-9823-308F8E981817}"/>
               </a:ext>
             </a:extLst>
           </p:cNvPr>
@@ -10809,7 +10908,7 @@
           <p:cNvPr id="19" name="Title 1">
             <a:extLst>
               <a:ext uri="{FF2B5EF4-FFF2-40B4-BE49-F238E27FC236}">
-                <a16:creationId xmlns:a16="http://schemas.microsoft.com/office/drawing/2014/main" id="{04FE75FE-057B-4E44-8D2B-3E8C11A4FC5B}"/>
+                <a16:creationId xmlns:a16="http://schemas.microsoft.com/office/drawing/2014/main" xmlns="" id="{04FE75FE-057B-4E44-8D2B-3E8C11A4FC5B}"/>
               </a:ext>
             </a:extLst>
           </p:cNvPr>
@@ -10873,6 +10972,13 @@
   <p:clrMapOvr>
     <a:masterClrMapping/>
   </p:clrMapOvr>
+  <p:timing>
+    <p:tnLst>
+      <p:par>
+        <p:cTn id="1" dur="indefinite" restart="never" nodeType="tmRoot"/>
+      </p:par>
+    </p:tnLst>
+  </p:timing>
 </p:sld>
 </file>
 
@@ -10898,7 +11004,7 @@
           <p:cNvPr id="2" name="Title 1">
             <a:extLst>
               <a:ext uri="{FF2B5EF4-FFF2-40B4-BE49-F238E27FC236}">
-                <a16:creationId xmlns:a16="http://schemas.microsoft.com/office/drawing/2014/main" id="{620EC40B-E279-43E3-B010-6AD8E2D42246}"/>
+                <a16:creationId xmlns:a16="http://schemas.microsoft.com/office/drawing/2014/main" xmlns="" id="{620EC40B-E279-43E3-B010-6AD8E2D42246}"/>
               </a:ext>
             </a:extLst>
           </p:cNvPr>
@@ -10932,7 +11038,7 @@
           <p:cNvPr id="10" name="Oval 9">
             <a:extLst>
               <a:ext uri="{FF2B5EF4-FFF2-40B4-BE49-F238E27FC236}">
-                <a16:creationId xmlns:a16="http://schemas.microsoft.com/office/drawing/2014/main" id="{49F5E449-F775-400B-9324-3940BBBB22A6}"/>
+                <a16:creationId xmlns:a16="http://schemas.microsoft.com/office/drawing/2014/main" xmlns="" id="{49F5E449-F775-400B-9324-3940BBBB22A6}"/>
               </a:ext>
             </a:extLst>
           </p:cNvPr>
@@ -10981,7 +11087,7 @@
           <p:cNvPr id="11" name="Oval 10">
             <a:extLst>
               <a:ext uri="{FF2B5EF4-FFF2-40B4-BE49-F238E27FC236}">
-                <a16:creationId xmlns:a16="http://schemas.microsoft.com/office/drawing/2014/main" id="{2F20B1E2-934C-4717-B6D8-DD50E12D5EE6}"/>
+                <a16:creationId xmlns:a16="http://schemas.microsoft.com/office/drawing/2014/main" xmlns="" id="{2F20B1E2-934C-4717-B6D8-DD50E12D5EE6}"/>
               </a:ext>
             </a:extLst>
           </p:cNvPr>
@@ -11027,7 +11133,7 @@
           <p:cNvPr id="12" name="Oval 11">
             <a:extLst>
               <a:ext uri="{FF2B5EF4-FFF2-40B4-BE49-F238E27FC236}">
-                <a16:creationId xmlns:a16="http://schemas.microsoft.com/office/drawing/2014/main" id="{B8E67B73-29C3-47E2-8D6B-16A1F89FA5C8}"/>
+                <a16:creationId xmlns:a16="http://schemas.microsoft.com/office/drawing/2014/main" xmlns="" id="{B8E67B73-29C3-47E2-8D6B-16A1F89FA5C8}"/>
               </a:ext>
             </a:extLst>
           </p:cNvPr>
@@ -11073,7 +11179,7 @@
           <p:cNvPr id="13" name="Oval 12">
             <a:extLst>
               <a:ext uri="{FF2B5EF4-FFF2-40B4-BE49-F238E27FC236}">
-                <a16:creationId xmlns:a16="http://schemas.microsoft.com/office/drawing/2014/main" id="{CCFB23EF-2B84-4251-851F-DFB23989FC0F}"/>
+                <a16:creationId xmlns:a16="http://schemas.microsoft.com/office/drawing/2014/main" xmlns="" id="{CCFB23EF-2B84-4251-851F-DFB23989FC0F}"/>
               </a:ext>
             </a:extLst>
           </p:cNvPr>
@@ -11119,7 +11225,7 @@
           <p:cNvPr id="14" name="Oval 13">
             <a:extLst>
               <a:ext uri="{FF2B5EF4-FFF2-40B4-BE49-F238E27FC236}">
-                <a16:creationId xmlns:a16="http://schemas.microsoft.com/office/drawing/2014/main" id="{598F4926-95F7-4A00-9190-1D27211EB861}"/>
+                <a16:creationId xmlns:a16="http://schemas.microsoft.com/office/drawing/2014/main" xmlns="" id="{598F4926-95F7-4A00-9190-1D27211EB861}"/>
               </a:ext>
             </a:extLst>
           </p:cNvPr>
@@ -11163,7 +11269,7 @@
           <p:cNvPr id="15" name="Oval 14">
             <a:extLst>
               <a:ext uri="{FF2B5EF4-FFF2-40B4-BE49-F238E27FC236}">
-                <a16:creationId xmlns:a16="http://schemas.microsoft.com/office/drawing/2014/main" id="{B06E2A25-F0A2-407B-B1A3-31A4266B1DBF}"/>
+                <a16:creationId xmlns:a16="http://schemas.microsoft.com/office/drawing/2014/main" xmlns="" id="{B06E2A25-F0A2-407B-B1A3-31A4266B1DBF}"/>
               </a:ext>
             </a:extLst>
           </p:cNvPr>
@@ -11212,7 +11318,7 @@
           <p:cNvPr id="17" name="Straight Arrow Connector 16">
             <a:extLst>
               <a:ext uri="{FF2B5EF4-FFF2-40B4-BE49-F238E27FC236}">
-                <a16:creationId xmlns:a16="http://schemas.microsoft.com/office/drawing/2014/main" id="{4ACE0AA6-B1D6-4CCF-8762-65C2F219AB4E}"/>
+                <a16:creationId xmlns:a16="http://schemas.microsoft.com/office/drawing/2014/main" xmlns="" id="{4ACE0AA6-B1D6-4CCF-8762-65C2F219AB4E}"/>
               </a:ext>
             </a:extLst>
           </p:cNvPr>
@@ -11254,7 +11360,7 @@
           <p:cNvPr id="21" name="Straight Arrow Connector 20">
             <a:extLst>
               <a:ext uri="{FF2B5EF4-FFF2-40B4-BE49-F238E27FC236}">
-                <a16:creationId xmlns:a16="http://schemas.microsoft.com/office/drawing/2014/main" id="{CFF82904-0578-44C2-8FDB-EF84772A7585}"/>
+                <a16:creationId xmlns:a16="http://schemas.microsoft.com/office/drawing/2014/main" xmlns="" id="{CFF82904-0578-44C2-8FDB-EF84772A7585}"/>
               </a:ext>
             </a:extLst>
           </p:cNvPr>
@@ -11296,7 +11402,7 @@
           <p:cNvPr id="23" name="Straight Arrow Connector 22">
             <a:extLst>
               <a:ext uri="{FF2B5EF4-FFF2-40B4-BE49-F238E27FC236}">
-                <a16:creationId xmlns:a16="http://schemas.microsoft.com/office/drawing/2014/main" id="{A10FAD8D-EDC8-4DEE-A0E7-39ECF5496C0B}"/>
+                <a16:creationId xmlns:a16="http://schemas.microsoft.com/office/drawing/2014/main" xmlns="" id="{A10FAD8D-EDC8-4DEE-A0E7-39ECF5496C0B}"/>
               </a:ext>
             </a:extLst>
           </p:cNvPr>
@@ -11338,7 +11444,7 @@
           <p:cNvPr id="25" name="Straight Arrow Connector 24">
             <a:extLst>
               <a:ext uri="{FF2B5EF4-FFF2-40B4-BE49-F238E27FC236}">
-                <a16:creationId xmlns:a16="http://schemas.microsoft.com/office/drawing/2014/main" id="{AFF71905-4616-4689-A80B-8655F1857FBE}"/>
+                <a16:creationId xmlns:a16="http://schemas.microsoft.com/office/drawing/2014/main" xmlns="" id="{AFF71905-4616-4689-A80B-8655F1857FBE}"/>
               </a:ext>
             </a:extLst>
           </p:cNvPr>
@@ -11380,7 +11486,7 @@
           <p:cNvPr id="27" name="Straight Arrow Connector 26">
             <a:extLst>
               <a:ext uri="{FF2B5EF4-FFF2-40B4-BE49-F238E27FC236}">
-                <a16:creationId xmlns:a16="http://schemas.microsoft.com/office/drawing/2014/main" id="{C55F6C94-3932-4A8A-AF5B-470EAE30CF31}"/>
+                <a16:creationId xmlns:a16="http://schemas.microsoft.com/office/drawing/2014/main" xmlns="" id="{C55F6C94-3932-4A8A-AF5B-470EAE30CF31}"/>
               </a:ext>
             </a:extLst>
           </p:cNvPr>
@@ -11422,7 +11528,7 @@
           <p:cNvPr id="29" name="Straight Arrow Connector 28">
             <a:extLst>
               <a:ext uri="{FF2B5EF4-FFF2-40B4-BE49-F238E27FC236}">
-                <a16:creationId xmlns:a16="http://schemas.microsoft.com/office/drawing/2014/main" id="{6849C73D-194B-4615-93FD-D7F6C7CC5F77}"/>
+                <a16:creationId xmlns:a16="http://schemas.microsoft.com/office/drawing/2014/main" xmlns="" id="{6849C73D-194B-4615-93FD-D7F6C7CC5F77}"/>
               </a:ext>
             </a:extLst>
           </p:cNvPr>
@@ -11465,7 +11571,7 @@
           <p:cNvPr id="31" name="Straight Arrow Connector 30">
             <a:extLst>
               <a:ext uri="{FF2B5EF4-FFF2-40B4-BE49-F238E27FC236}">
-                <a16:creationId xmlns:a16="http://schemas.microsoft.com/office/drawing/2014/main" id="{A676A2C9-1AF2-4794-B519-35C1FF3A6A20}"/>
+                <a16:creationId xmlns:a16="http://schemas.microsoft.com/office/drawing/2014/main" xmlns="" id="{A676A2C9-1AF2-4794-B519-35C1FF3A6A20}"/>
               </a:ext>
             </a:extLst>
           </p:cNvPr>
@@ -11507,7 +11613,7 @@
           <p:cNvPr id="33" name="Straight Arrow Connector 32">
             <a:extLst>
               <a:ext uri="{FF2B5EF4-FFF2-40B4-BE49-F238E27FC236}">
-                <a16:creationId xmlns:a16="http://schemas.microsoft.com/office/drawing/2014/main" id="{53317029-1C27-415F-9ED4-13ED1C87C44C}"/>
+                <a16:creationId xmlns:a16="http://schemas.microsoft.com/office/drawing/2014/main" xmlns="" id="{53317029-1C27-415F-9ED4-13ED1C87C44C}"/>
               </a:ext>
             </a:extLst>
           </p:cNvPr>
@@ -11549,7 +11655,7 @@
           <p:cNvPr id="35" name="Straight Arrow Connector 34">
             <a:extLst>
               <a:ext uri="{FF2B5EF4-FFF2-40B4-BE49-F238E27FC236}">
-                <a16:creationId xmlns:a16="http://schemas.microsoft.com/office/drawing/2014/main" id="{7CB9B236-6488-4457-9823-308F8E981817}"/>
+                <a16:creationId xmlns:a16="http://schemas.microsoft.com/office/drawing/2014/main" xmlns="" id="{7CB9B236-6488-4457-9823-308F8E981817}"/>
               </a:ext>
             </a:extLst>
           </p:cNvPr>
@@ -11596,6 +11702,13 @@
   <p:clrMapOvr>
     <a:masterClrMapping/>
   </p:clrMapOvr>
+  <p:timing>
+    <p:tnLst>
+      <p:par>
+        <p:cTn id="1" dur="indefinite" restart="never" nodeType="tmRoot"/>
+      </p:par>
+    </p:tnLst>
+  </p:timing>
 </p:sld>
 </file>
 
@@ -11755,6 +11868,13 @@
   <p:clrMapOvr>
     <a:masterClrMapping/>
   </p:clrMapOvr>
+  <p:timing>
+    <p:tnLst>
+      <p:par>
+        <p:cTn id="1" dur="indefinite" restart="never" nodeType="tmRoot"/>
+      </p:par>
+    </p:tnLst>
+  </p:timing>
 </p:sld>
 </file>
 
@@ -11780,7 +11900,7 @@
           <p:cNvPr id="2" name="Title 1">
             <a:extLst>
               <a:ext uri="{FF2B5EF4-FFF2-40B4-BE49-F238E27FC236}">
-                <a16:creationId xmlns:a16="http://schemas.microsoft.com/office/drawing/2014/main" id="{5C0D5BD6-0CA4-44BC-BE83-0E4F76CB0E98}"/>
+                <a16:creationId xmlns:a16="http://schemas.microsoft.com/office/drawing/2014/main" xmlns="" id="{5C0D5BD6-0CA4-44BC-BE83-0E4F76CB0E98}"/>
               </a:ext>
             </a:extLst>
           </p:cNvPr>
@@ -11803,14 +11923,14 @@
           </a:p>
         </p:txBody>
       </p:sp>
-      <mc:AlternateContent xmlns:mc="http://schemas.openxmlformats.org/markup-compatibility/2006">
-        <mc:Choice xmlns:a14="http://schemas.microsoft.com/office/drawing/2010/main" Requires="a14">
+      <mc:AlternateContent xmlns:mc="http://schemas.openxmlformats.org/markup-compatibility/2006" xmlns:a14="http://schemas.microsoft.com/office/drawing/2010/main">
+        <mc:Choice Requires="a14">
           <p:sp>
             <p:nvSpPr>
               <p:cNvPr id="3" name="Content Placeholder 2">
                 <a:extLst>
                   <a:ext uri="{FF2B5EF4-FFF2-40B4-BE49-F238E27FC236}">
-                    <a16:creationId xmlns:a16="http://schemas.microsoft.com/office/drawing/2014/main" id="{B2BDB9D6-4F4C-4920-8DB4-BD95D9E7B6FD}"/>
+                    <a16:creationId xmlns:a16="http://schemas.microsoft.com/office/drawing/2014/main" xmlns="" id="{B2BDB9D6-4F4C-4920-8DB4-BD95D9E7B6FD}"/>
                   </a:ext>
                 </a:extLst>
               </p:cNvPr>
@@ -11909,7 +12029,7 @@
                       <m:sSupPr>
                         <m:ctrlPr>
                           <a:rPr lang="en-US" i="1">
-                            <a:latin typeface="Cambria Math" panose="02040503050406030204" pitchFamily="18" charset="0"/>
+                            <a:latin typeface="Cambria Math" charset="0"/>
                           </a:rPr>
                         </m:ctrlPr>
                       </m:sSupPr>
@@ -11965,7 +12085,7 @@
             </p:txBody>
           </p:sp>
         </mc:Choice>
-        <mc:Fallback>
+        <mc:Fallback xmlns="">
           <p:sp>
             <p:nvSpPr>
               <p:cNvPr id="3" name="Content Placeholder 2">
@@ -12019,6 +12139,13 @@
   <p:clrMapOvr>
     <a:masterClrMapping/>
   </p:clrMapOvr>
+  <p:timing>
+    <p:tnLst>
+      <p:par>
+        <p:cTn id="1" dur="indefinite" restart="never" nodeType="tmRoot"/>
+      </p:par>
+    </p:tnLst>
+  </p:timing>
 </p:sld>
 </file>
 
